--- a/CS563-Project/Misc/Literature Review Presentation.pptx
+++ b/CS563-Project/Misc/Literature Review Presentation.pptx
@@ -10219,7 +10219,7 @@
             </a:pPr>
             <a:r>
               <a:rPr lang="en-US" sz="2400" dirty="0"/>
-              <a:t>Run multiple fault localization techniques on real life bugs from REST API projects</a:t>
+              <a:t>Run multiple fault localization techniques on bugs from open source REST API projects</a:t>
             </a:r>
           </a:p>
           <a:p>
